--- a/projeto/Documentos/HLD_ppt.pptx
+++ b/projeto/Documentos/HLD_ppt.pptx
@@ -104,6 +104,11 @@
       </a:defRPr>
     </a:lvl9pPr>
   </p:defaultTextStyle>
+  <p:extLst>
+    <p:ext uri="{EFAFB233-063F-42B5-8137-9DF3F51BA10A}">
+      <p15:sldGuideLst xmlns:p15="http://schemas.microsoft.com/office/powerpoint/2012/main"/>
+    </p:ext>
+  </p:extLst>
 </p:presentation>
 </file>
 
@@ -254,7 +259,7 @@
           <a:p>
             <a:fld id="{8F4CA96A-2A53-4EB7-BBFD-3A58DD947BCF}" type="datetimeFigureOut">
               <a:rPr lang="pt-BR" smtClean="0"/>
-              <a:t>05/04/2020</a:t>
+              <a:t>13/04/2020</a:t>
             </a:fld>
             <a:endParaRPr lang="pt-BR"/>
           </a:p>
@@ -452,7 +457,7 @@
           <a:p>
             <a:fld id="{8F4CA96A-2A53-4EB7-BBFD-3A58DD947BCF}" type="datetimeFigureOut">
               <a:rPr lang="pt-BR" smtClean="0"/>
-              <a:t>05/04/2020</a:t>
+              <a:t>13/04/2020</a:t>
             </a:fld>
             <a:endParaRPr lang="pt-BR"/>
           </a:p>
@@ -660,7 +665,7 @@
           <a:p>
             <a:fld id="{8F4CA96A-2A53-4EB7-BBFD-3A58DD947BCF}" type="datetimeFigureOut">
               <a:rPr lang="pt-BR" smtClean="0"/>
-              <a:t>05/04/2020</a:t>
+              <a:t>13/04/2020</a:t>
             </a:fld>
             <a:endParaRPr lang="pt-BR"/>
           </a:p>
@@ -858,7 +863,7 @@
           <a:p>
             <a:fld id="{8F4CA96A-2A53-4EB7-BBFD-3A58DD947BCF}" type="datetimeFigureOut">
               <a:rPr lang="pt-BR" smtClean="0"/>
-              <a:t>05/04/2020</a:t>
+              <a:t>13/04/2020</a:t>
             </a:fld>
             <a:endParaRPr lang="pt-BR"/>
           </a:p>
@@ -1133,7 +1138,7 @@
           <a:p>
             <a:fld id="{8F4CA96A-2A53-4EB7-BBFD-3A58DD947BCF}" type="datetimeFigureOut">
               <a:rPr lang="pt-BR" smtClean="0"/>
-              <a:t>05/04/2020</a:t>
+              <a:t>13/04/2020</a:t>
             </a:fld>
             <a:endParaRPr lang="pt-BR"/>
           </a:p>
@@ -1398,7 +1403,7 @@
           <a:p>
             <a:fld id="{8F4CA96A-2A53-4EB7-BBFD-3A58DD947BCF}" type="datetimeFigureOut">
               <a:rPr lang="pt-BR" smtClean="0"/>
-              <a:t>05/04/2020</a:t>
+              <a:t>13/04/2020</a:t>
             </a:fld>
             <a:endParaRPr lang="pt-BR"/>
           </a:p>
@@ -1810,7 +1815,7 @@
           <a:p>
             <a:fld id="{8F4CA96A-2A53-4EB7-BBFD-3A58DD947BCF}" type="datetimeFigureOut">
               <a:rPr lang="pt-BR" smtClean="0"/>
-              <a:t>05/04/2020</a:t>
+              <a:t>13/04/2020</a:t>
             </a:fld>
             <a:endParaRPr lang="pt-BR"/>
           </a:p>
@@ -1951,7 +1956,7 @@
           <a:p>
             <a:fld id="{8F4CA96A-2A53-4EB7-BBFD-3A58DD947BCF}" type="datetimeFigureOut">
               <a:rPr lang="pt-BR" smtClean="0"/>
-              <a:t>05/04/2020</a:t>
+              <a:t>13/04/2020</a:t>
             </a:fld>
             <a:endParaRPr lang="pt-BR"/>
           </a:p>
@@ -2064,7 +2069,7 @@
           <a:p>
             <a:fld id="{8F4CA96A-2A53-4EB7-BBFD-3A58DD947BCF}" type="datetimeFigureOut">
               <a:rPr lang="pt-BR" smtClean="0"/>
-              <a:t>05/04/2020</a:t>
+              <a:t>13/04/2020</a:t>
             </a:fld>
             <a:endParaRPr lang="pt-BR"/>
           </a:p>
@@ -2375,7 +2380,7 @@
           <a:p>
             <a:fld id="{8F4CA96A-2A53-4EB7-BBFD-3A58DD947BCF}" type="datetimeFigureOut">
               <a:rPr lang="pt-BR" smtClean="0"/>
-              <a:t>05/04/2020</a:t>
+              <a:t>13/04/2020</a:t>
             </a:fld>
             <a:endParaRPr lang="pt-BR"/>
           </a:p>
@@ -2663,7 +2668,7 @@
           <a:p>
             <a:fld id="{8F4CA96A-2A53-4EB7-BBFD-3A58DD947BCF}" type="datetimeFigureOut">
               <a:rPr lang="pt-BR" smtClean="0"/>
-              <a:t>05/04/2020</a:t>
+              <a:t>13/04/2020</a:t>
             </a:fld>
             <a:endParaRPr lang="pt-BR"/>
           </a:p>
@@ -2904,7 +2909,7 @@
           <a:p>
             <a:fld id="{8F4CA96A-2A53-4EB7-BBFD-3A58DD947BCF}" type="datetimeFigureOut">
               <a:rPr lang="pt-BR" smtClean="0"/>
-              <a:t>05/04/2020</a:t>
+              <a:t>13/04/2020</a:t>
             </a:fld>
             <a:endParaRPr lang="pt-BR"/>
           </a:p>
@@ -3786,42 +3791,6 @@
           </p:sp>
           <p:pic>
             <p:nvPicPr>
-              <p:cNvPr id="34" name="Imagem 33" descr="Uma imagem contendo texto, desenho&#10;&#10;Descrição gerada automaticamente">
-                <a:extLst>
-                  <a:ext uri="{FF2B5EF4-FFF2-40B4-BE49-F238E27FC236}">
-                    <a16:creationId xmlns:a16="http://schemas.microsoft.com/office/drawing/2014/main" id="{C7D39367-2014-4DFE-9BB3-9709260AC8F7}"/>
-                  </a:ext>
-                </a:extLst>
-              </p:cNvPr>
-              <p:cNvPicPr>
-                <a:picLocks noChangeAspect="1"/>
-              </p:cNvPicPr>
-              <p:nvPr/>
-            </p:nvPicPr>
-            <p:blipFill>
-              <a:blip r:embed="rId8">
-                <a:extLst>
-                  <a:ext uri="{28A0092B-C50C-407E-A947-70E740481C1C}">
-                    <a14:useLocalDpi xmlns:a14="http://schemas.microsoft.com/office/drawing/2010/main" val="0"/>
-                  </a:ext>
-                </a:extLst>
-              </a:blip>
-              <a:stretch>
-                <a:fillRect/>
-              </a:stretch>
-            </p:blipFill>
-            <p:spPr>
-              <a:xfrm>
-                <a:off x="7200159" y="3982906"/>
-                <a:ext cx="1235151" cy="705801"/>
-              </a:xfrm>
-              <a:prstGeom prst="rect">
-                <a:avLst/>
-              </a:prstGeom>
-            </p:spPr>
-          </p:pic>
-          <p:pic>
-            <p:nvPicPr>
               <p:cNvPr id="38" name="Imagem 37" descr="Fundo preto com letras brancas&#10;&#10;Descrição gerada automaticamente">
                 <a:extLst>
                   <a:ext uri="{FF2B5EF4-FFF2-40B4-BE49-F238E27FC236}">
@@ -3835,7 +3804,7 @@
               <p:nvPr/>
             </p:nvPicPr>
             <p:blipFill>
-              <a:blip r:embed="rId9">
+              <a:blip r:embed="rId8">
                 <a:extLst>
                   <a:ext uri="{28A0092B-C50C-407E-A947-70E740481C1C}">
                     <a14:useLocalDpi xmlns:a14="http://schemas.microsoft.com/office/drawing/2010/main" val="0"/>
@@ -3921,7 +3890,7 @@
               <p:nvPr/>
             </p:nvPicPr>
             <p:blipFill>
-              <a:blip r:embed="rId10">
+              <a:blip r:embed="rId9">
                 <a:extLst>
                   <a:ext uri="{28A0092B-C50C-407E-A947-70E740481C1C}">
                     <a14:useLocalDpi xmlns:a14="http://schemas.microsoft.com/office/drawing/2010/main" val="0"/>
@@ -3991,7 +3960,7 @@
             </p:nvSpPr>
             <p:spPr>
               <a:xfrm>
-                <a:off x="6922148" y="4759395"/>
+                <a:off x="6881967" y="4688228"/>
                 <a:ext cx="2416671" cy="930161"/>
               </a:xfrm>
               <a:prstGeom prst="rect">
@@ -4120,7 +4089,7 @@
                 <p:nvPr/>
               </p:nvPicPr>
               <p:blipFill>
-                <a:blip r:embed="rId11">
+                <a:blip r:embed="rId10">
                   <a:extLst>
                     <a:ext uri="{28A0092B-C50C-407E-A947-70E740481C1C}">
                       <a14:useLocalDpi xmlns:a14="http://schemas.microsoft.com/office/drawing/2010/main" val="0"/>
@@ -4156,7 +4125,7 @@
                 <p:nvPr/>
               </p:nvPicPr>
               <p:blipFill>
-                <a:blip r:embed="rId12">
+                <a:blip r:embed="rId11">
                   <a:extLst>
                     <a:ext uri="{28A0092B-C50C-407E-A947-70E740481C1C}">
                       <a14:useLocalDpi xmlns:a14="http://schemas.microsoft.com/office/drawing/2010/main" val="0"/>
@@ -4250,12 +4219,12 @@
             </p:nvCxnSpPr>
             <p:spPr>
               <a:xfrm flipV="1">
-                <a:off x="5599636" y="5143621"/>
-                <a:ext cx="2158947" cy="560272"/>
+                <a:off x="5579383" y="5143621"/>
+                <a:ext cx="2179200" cy="595228"/>
               </a:xfrm>
               <a:prstGeom prst="curvedConnector3">
                 <a:avLst>
-                  <a:gd name="adj1" fmla="val 101561"/>
+                  <a:gd name="adj1" fmla="val 97150"/>
                 </a:avLst>
               </a:prstGeom>
               <a:ln w="57150">
@@ -4388,12 +4357,12 @@
             </p:nvCxnSpPr>
             <p:spPr>
               <a:xfrm flipV="1">
-                <a:off x="7943635" y="3136266"/>
-                <a:ext cx="1996841" cy="839659"/>
+                <a:off x="7991433" y="3136267"/>
+                <a:ext cx="1949042" cy="877924"/>
               </a:xfrm>
               <a:prstGeom prst="curvedConnector3">
                 <a:avLst>
-                  <a:gd name="adj1" fmla="val 2217"/>
+                  <a:gd name="adj1" fmla="val 844"/>
                 </a:avLst>
               </a:prstGeom>
               <a:ln w="57150">
@@ -4851,7 +4820,7 @@
             <p:nvPr/>
           </p:nvPicPr>
           <p:blipFill>
-            <a:blip r:embed="rId10">
+            <a:blip r:embed="rId9">
               <a:extLst>
                 <a:ext uri="{28A0092B-C50C-407E-A947-70E740481C1C}">
                   <a14:useLocalDpi xmlns:a14="http://schemas.microsoft.com/office/drawing/2010/main" val="0"/>
@@ -5110,7 +5079,7 @@
             <p:nvPr/>
           </p:nvPicPr>
           <p:blipFill>
-            <a:blip r:embed="rId13">
+            <a:blip r:embed="rId12">
               <a:extLst>
                 <a:ext uri="{28A0092B-C50C-407E-A947-70E740481C1C}">
                   <a14:useLocalDpi xmlns:a14="http://schemas.microsoft.com/office/drawing/2010/main" val="0"/>
@@ -5285,58 +5254,12 @@
         </p:nvGrpSpPr>
         <p:grpSpPr>
           <a:xfrm>
-            <a:off x="3407214" y="287024"/>
+            <a:off x="3407214" y="269165"/>
             <a:ext cx="2849224" cy="646331"/>
-            <a:chOff x="3407214" y="287024"/>
+            <a:chOff x="3407214" y="269165"/>
             <a:chExt cx="2849224" cy="646331"/>
           </a:xfrm>
         </p:grpSpPr>
-        <p:pic>
-          <p:nvPicPr>
-            <p:cNvPr id="129" name="Imagem 128" descr="Uma imagem contendo relógio&#10;&#10;Descrição gerada automaticamente">
-              <a:extLst>
-                <a:ext uri="{FF2B5EF4-FFF2-40B4-BE49-F238E27FC236}">
-                  <a16:creationId xmlns:a16="http://schemas.microsoft.com/office/drawing/2014/main" id="{CE27DFEE-5EA0-4B0C-9CD5-12D7B00F2181}"/>
-                </a:ext>
-              </a:extLst>
-            </p:cNvPr>
-            <p:cNvPicPr>
-              <a:picLocks noChangeAspect="1"/>
-            </p:cNvPicPr>
-            <p:nvPr/>
-          </p:nvPicPr>
-          <p:blipFill>
-            <a:blip r:embed="rId14">
-              <a:biLevel thresh="75000"/>
-              <a:extLst>
-                <a:ext uri="{BEBA8EAE-BF5A-486C-A8C5-ECC9F3942E4B}">
-                  <a14:imgProps xmlns:a14="http://schemas.microsoft.com/office/drawing/2010/main">
-                    <a14:imgLayer r:embed="rId15">
-                      <a14:imgEffect>
-                        <a14:saturation sat="0"/>
-                      </a14:imgEffect>
-                    </a14:imgLayer>
-                  </a14:imgProps>
-                </a:ext>
-                <a:ext uri="{28A0092B-C50C-407E-A947-70E740481C1C}">
-                  <a14:useLocalDpi xmlns:a14="http://schemas.microsoft.com/office/drawing/2010/main" val="0"/>
-                </a:ext>
-              </a:extLst>
-            </a:blip>
-            <a:stretch>
-              <a:fillRect/>
-            </a:stretch>
-          </p:blipFill>
-          <p:spPr>
-            <a:xfrm>
-              <a:off x="4009246" y="387272"/>
-              <a:ext cx="445835" cy="445835"/>
-            </a:xfrm>
-            <a:prstGeom prst="rect">
-              <a:avLst/>
-            </a:prstGeom>
-          </p:spPr>
-        </p:pic>
         <p:sp>
           <p:nvSpPr>
             <p:cNvPr id="130" name="CaixaDeTexto 129">
@@ -5367,12 +5290,18 @@
             <a:p>
               <a:r>
                 <a:rPr lang="pt-BR" sz="2800" dirty="0" err="1">
+                  <a:solidFill>
+                    <a:srgbClr val="FFD700"/>
+                  </a:solidFill>
                   <a:latin typeface="Aharoni" panose="02010803020104030203" pitchFamily="2" charset="-79"/>
                   <a:cs typeface="Aharoni" panose="02010803020104030203" pitchFamily="2" charset="-79"/>
                 </a:rPr>
                 <a:t>Lumi</a:t>
               </a:r>
-              <a:endParaRPr lang="pt-BR" dirty="0">
+              <a:endParaRPr lang="pt-BR" sz="2800" dirty="0">
+                <a:solidFill>
+                  <a:srgbClr val="FFD700"/>
+                </a:solidFill>
                 <a:latin typeface="Aharoni" panose="02010803020104030203" pitchFamily="2" charset="-79"/>
                 <a:cs typeface="Aharoni" panose="02010803020104030203" pitchFamily="2" charset="-79"/>
               </a:endParaRPr>
@@ -5435,7 +5364,7 @@
           </p:nvSpPr>
           <p:spPr>
             <a:xfrm>
-              <a:off x="3407214" y="287024"/>
+              <a:off x="3407214" y="269165"/>
               <a:ext cx="677562" cy="646331"/>
             </a:xfrm>
             <a:prstGeom prst="rect">
@@ -5471,6 +5400,96 @@
           </p:txBody>
         </p:sp>
       </p:grpSp>
+      <p:pic>
+        <p:nvPicPr>
+          <p:cNvPr id="33" name="Imagem 32">
+            <a:extLst>
+              <a:ext uri="{FF2B5EF4-FFF2-40B4-BE49-F238E27FC236}">
+                <a16:creationId xmlns:a16="http://schemas.microsoft.com/office/drawing/2014/main" id="{93D9AF92-FEE1-4A73-9463-FA9E0049B291}"/>
+              </a:ext>
+            </a:extLst>
+          </p:cNvPr>
+          <p:cNvPicPr>
+            <a:picLocks noChangeAspect="1"/>
+          </p:cNvPicPr>
+          <p:nvPr/>
+        </p:nvPicPr>
+        <p:blipFill>
+          <a:blip r:embed="rId13"/>
+          <a:stretch>
+            <a:fillRect/>
+          </a:stretch>
+        </p:blipFill>
+        <p:spPr>
+          <a:xfrm>
+            <a:off x="3987016" y="348579"/>
+            <a:ext cx="445047" cy="445047"/>
+          </a:xfrm>
+          <a:prstGeom prst="rect">
+            <a:avLst/>
+          </a:prstGeom>
+        </p:spPr>
+      </p:pic>
+      <p:pic>
+        <p:nvPicPr>
+          <p:cNvPr id="35" name="Imagem 34">
+            <a:extLst>
+              <a:ext uri="{FF2B5EF4-FFF2-40B4-BE49-F238E27FC236}">
+                <a16:creationId xmlns:a16="http://schemas.microsoft.com/office/drawing/2014/main" id="{A9CB3E72-9838-4300-8ECF-42188770800F}"/>
+              </a:ext>
+            </a:extLst>
+          </p:cNvPr>
+          <p:cNvPicPr>
+            <a:picLocks noChangeAspect="1"/>
+          </p:cNvPicPr>
+          <p:nvPr/>
+        </p:nvPicPr>
+        <p:blipFill>
+          <a:blip r:embed="rId14"/>
+          <a:stretch>
+            <a:fillRect/>
+          </a:stretch>
+        </p:blipFill>
+        <p:spPr>
+          <a:xfrm>
+            <a:off x="6248236" y="4534828"/>
+            <a:ext cx="1672058" cy="1001091"/>
+          </a:xfrm>
+          <a:prstGeom prst="rect">
+            <a:avLst/>
+          </a:prstGeom>
+        </p:spPr>
+      </p:pic>
+      <p:pic>
+        <p:nvPicPr>
+          <p:cNvPr id="40" name="Imagem 39">
+            <a:extLst>
+              <a:ext uri="{FF2B5EF4-FFF2-40B4-BE49-F238E27FC236}">
+                <a16:creationId xmlns:a16="http://schemas.microsoft.com/office/drawing/2014/main" id="{44DCB198-EF43-43AE-BE66-E040EF74B6B9}"/>
+              </a:ext>
+            </a:extLst>
+          </p:cNvPr>
+          <p:cNvPicPr>
+            <a:picLocks noChangeAspect="1"/>
+          </p:cNvPicPr>
+          <p:nvPr/>
+        </p:nvPicPr>
+        <p:blipFill>
+          <a:blip r:embed="rId15"/>
+          <a:stretch>
+            <a:fillRect/>
+          </a:stretch>
+        </p:blipFill>
+        <p:spPr>
+          <a:xfrm>
+            <a:off x="5905131" y="5952651"/>
+            <a:ext cx="516093" cy="556770"/>
+          </a:xfrm>
+          <a:prstGeom prst="rect">
+            <a:avLst/>
+          </a:prstGeom>
+        </p:spPr>
+      </p:pic>
     </p:spTree>
     <p:extLst>
       <p:ext uri="{BB962C8B-B14F-4D97-AF65-F5344CB8AC3E}">

--- a/projeto/Documentos/HLD_ppt.pptx
+++ b/projeto/Documentos/HLD_ppt.pptx
@@ -3417,7 +3417,7 @@
               <p:nvPr/>
             </p:nvPicPr>
             <p:blipFill>
-              <a:blip r:embed="rId3">
+              <a:blip r:embed="rId3" cstate="hqprint">
                 <a:extLst>
                   <a:ext uri="{28A0092B-C50C-407E-A947-70E740481C1C}">
                     <a14:useLocalDpi xmlns:a14="http://schemas.microsoft.com/office/drawing/2010/main" val="0"/>
@@ -3453,7 +3453,7 @@
               <p:nvPr/>
             </p:nvPicPr>
             <p:blipFill>
-              <a:blip r:embed="rId4">
+              <a:blip r:embed="rId4" cstate="hqprint">
                 <a:extLst>
                   <a:ext uri="{28A0092B-C50C-407E-A947-70E740481C1C}">
                     <a14:useLocalDpi xmlns:a14="http://schemas.microsoft.com/office/drawing/2010/main" val="0"/>
@@ -3489,7 +3489,7 @@
               <p:nvPr/>
             </p:nvPicPr>
             <p:blipFill>
-              <a:blip r:embed="rId5">
+              <a:blip r:embed="rId5" cstate="hqprint">
                 <a:extLst>
                   <a:ext uri="{28A0092B-C50C-407E-A947-70E740481C1C}">
                     <a14:useLocalDpi xmlns:a14="http://schemas.microsoft.com/office/drawing/2010/main" val="0"/>
@@ -3561,7 +3561,7 @@
               <p:nvPr/>
             </p:nvPicPr>
             <p:blipFill>
-              <a:blip r:embed="rId3">
+              <a:blip r:embed="rId3" cstate="hqprint">
                 <a:extLst>
                   <a:ext uri="{28A0092B-C50C-407E-A947-70E740481C1C}">
                     <a14:useLocalDpi xmlns:a14="http://schemas.microsoft.com/office/drawing/2010/main" val="0"/>
@@ -3597,7 +3597,7 @@
               <p:nvPr/>
             </p:nvPicPr>
             <p:blipFill>
-              <a:blip r:embed="rId6">
+              <a:blip r:embed="rId6" cstate="hqprint">
                 <a:extLst>
                   <a:ext uri="{28A0092B-C50C-407E-A947-70E740481C1C}">
                     <a14:useLocalDpi xmlns:a14="http://schemas.microsoft.com/office/drawing/2010/main" val="0"/>
@@ -3654,7 +3654,7 @@
               <p:nvPr/>
             </p:nvPicPr>
             <p:blipFill>
-              <a:blip r:embed="rId7">
+              <a:blip r:embed="rId7" cstate="hqprint">
                 <a:extLst>
                   <a:ext uri="{28A0092B-C50C-407E-A947-70E740481C1C}">
                     <a14:useLocalDpi xmlns:a14="http://schemas.microsoft.com/office/drawing/2010/main" val="0"/>
@@ -3690,7 +3690,7 @@
               <p:nvPr/>
             </p:nvPicPr>
             <p:blipFill>
-              <a:blip r:embed="rId7">
+              <a:blip r:embed="rId7" cstate="hqprint">
                 <a:extLst>
                   <a:ext uri="{28A0092B-C50C-407E-A947-70E740481C1C}">
                     <a14:useLocalDpi xmlns:a14="http://schemas.microsoft.com/office/drawing/2010/main" val="0"/>
@@ -3804,7 +3804,7 @@
               <p:nvPr/>
             </p:nvPicPr>
             <p:blipFill>
-              <a:blip r:embed="rId8">
+              <a:blip r:embed="rId8" cstate="hqprint">
                 <a:extLst>
                   <a:ext uri="{28A0092B-C50C-407E-A947-70E740481C1C}">
                     <a14:useLocalDpi xmlns:a14="http://schemas.microsoft.com/office/drawing/2010/main" val="0"/>
@@ -4089,7 +4089,7 @@
                 <p:nvPr/>
               </p:nvPicPr>
               <p:blipFill>
-                <a:blip r:embed="rId10">
+                <a:blip r:embed="rId10" cstate="hqprint">
                   <a:extLst>
                     <a:ext uri="{28A0092B-C50C-407E-A947-70E740481C1C}">
                       <a14:useLocalDpi xmlns:a14="http://schemas.microsoft.com/office/drawing/2010/main" val="0"/>
@@ -4125,7 +4125,7 @@
                 <p:nvPr/>
               </p:nvPicPr>
               <p:blipFill>
-                <a:blip r:embed="rId11">
+                <a:blip r:embed="rId11" cstate="hqprint">
                   <a:extLst>
                     <a:ext uri="{28A0092B-C50C-407E-A947-70E740481C1C}">
                       <a14:useLocalDpi xmlns:a14="http://schemas.microsoft.com/office/drawing/2010/main" val="0"/>
@@ -4525,7 +4525,7 @@
               <p:nvPr/>
             </p:nvPicPr>
             <p:blipFill>
-              <a:blip r:embed="rId3">
+              <a:blip r:embed="rId12" cstate="hqprint">
                 <a:extLst>
                   <a:ext uri="{28A0092B-C50C-407E-A947-70E740481C1C}">
                     <a14:useLocalDpi xmlns:a14="http://schemas.microsoft.com/office/drawing/2010/main" val="0"/>
@@ -4561,7 +4561,7 @@
               <p:nvPr/>
             </p:nvPicPr>
             <p:blipFill>
-              <a:blip r:embed="rId4">
+              <a:blip r:embed="rId13" cstate="hqprint">
                 <a:extLst>
                   <a:ext uri="{28A0092B-C50C-407E-A947-70E740481C1C}">
                     <a14:useLocalDpi xmlns:a14="http://schemas.microsoft.com/office/drawing/2010/main" val="0"/>
@@ -4597,7 +4597,7 @@
               <p:nvPr/>
             </p:nvPicPr>
             <p:blipFill>
-              <a:blip r:embed="rId5">
+              <a:blip r:embed="rId14" cstate="hqprint">
                 <a:extLst>
                   <a:ext uri="{28A0092B-C50C-407E-A947-70E740481C1C}">
                     <a14:useLocalDpi xmlns:a14="http://schemas.microsoft.com/office/drawing/2010/main" val="0"/>
@@ -4669,7 +4669,7 @@
               <p:nvPr/>
             </p:nvPicPr>
             <p:blipFill>
-              <a:blip r:embed="rId3">
+              <a:blip r:embed="rId12" cstate="hqprint">
                 <a:extLst>
                   <a:ext uri="{28A0092B-C50C-407E-A947-70E740481C1C}">
                     <a14:useLocalDpi xmlns:a14="http://schemas.microsoft.com/office/drawing/2010/main" val="0"/>
@@ -4705,7 +4705,7 @@
               <p:nvPr/>
             </p:nvPicPr>
             <p:blipFill>
-              <a:blip r:embed="rId6">
+              <a:blip r:embed="rId15" cstate="hqprint">
                 <a:extLst>
                   <a:ext uri="{28A0092B-C50C-407E-A947-70E740481C1C}">
                     <a14:useLocalDpi xmlns:a14="http://schemas.microsoft.com/office/drawing/2010/main" val="0"/>
@@ -4988,7 +4988,7 @@
           <a:lstStyle/>
           <a:p>
             <a:pPr algn="ctr"/>
-            <a:endParaRPr lang="pt-BR"/>
+            <a:endParaRPr lang="pt-BR" dirty="0"/>
           </a:p>
         </p:txBody>
       </p:sp>
@@ -5058,10 +5058,10 @@
         </p:nvGrpSpPr>
         <p:grpSpPr>
           <a:xfrm>
-            <a:off x="3648235" y="3127862"/>
-            <a:ext cx="2772090" cy="646331"/>
+            <a:off x="4173133" y="3127875"/>
+            <a:ext cx="2639931" cy="646331"/>
             <a:chOff x="3648235" y="3127862"/>
-            <a:chExt cx="2772090" cy="646331"/>
+            <a:chExt cx="2639931" cy="646331"/>
           </a:xfrm>
         </p:grpSpPr>
         <p:pic>
@@ -5079,7 +5079,7 @@
             <p:nvPr/>
           </p:nvPicPr>
           <p:blipFill>
-            <a:blip r:embed="rId12">
+            <a:blip r:embed="rId16" cstate="hqprint">
               <a:extLst>
                 <a:ext uri="{28A0092B-C50C-407E-A947-70E740481C1C}">
                   <a14:useLocalDpi xmlns:a14="http://schemas.microsoft.com/office/drawing/2010/main" val="0"/>
@@ -5162,7 +5162,7 @@
           </p:nvSpPr>
           <p:spPr>
             <a:xfrm>
-              <a:off x="5366286" y="3189417"/>
+              <a:off x="5234127" y="3189417"/>
               <a:ext cx="1054039" cy="523220"/>
             </a:xfrm>
             <a:prstGeom prst="rect">
@@ -5254,10 +5254,10 @@
         </p:nvGrpSpPr>
         <p:grpSpPr>
           <a:xfrm>
-            <a:off x="3407214" y="269165"/>
-            <a:ext cx="2849224" cy="646331"/>
+            <a:off x="4173133" y="230945"/>
+            <a:ext cx="2738914" cy="646331"/>
             <a:chOff x="3407214" y="269165"/>
-            <a:chExt cx="2849224" cy="646331"/>
+            <a:chExt cx="2738914" cy="646331"/>
           </a:xfrm>
         </p:grpSpPr>
         <p:sp>
@@ -5322,7 +5322,7 @@
           </p:nvSpPr>
           <p:spPr>
             <a:xfrm>
-              <a:off x="5202399" y="348579"/>
+              <a:off x="5092089" y="358431"/>
               <a:ext cx="1054039" cy="523220"/>
             </a:xfrm>
             <a:prstGeom prst="rect">
@@ -5415,14 +5415,14 @@
           <p:nvPr/>
         </p:nvPicPr>
         <p:blipFill>
-          <a:blip r:embed="rId13"/>
+          <a:blip r:embed="rId17"/>
           <a:stretch>
             <a:fillRect/>
           </a:stretch>
         </p:blipFill>
         <p:spPr>
           <a:xfrm>
-            <a:off x="3987016" y="348579"/>
+            <a:off x="4752935" y="310359"/>
             <a:ext cx="445047" cy="445047"/>
           </a:xfrm>
           <a:prstGeom prst="rect">
@@ -5445,7 +5445,7 @@
           <p:nvPr/>
         </p:nvPicPr>
         <p:blipFill>
-          <a:blip r:embed="rId14"/>
+          <a:blip r:embed="rId18"/>
           <a:stretch>
             <a:fillRect/>
           </a:stretch>
@@ -5475,7 +5475,7 @@
           <p:nvPr/>
         </p:nvPicPr>
         <p:blipFill>
-          <a:blip r:embed="rId15"/>
+          <a:blip r:embed="rId19"/>
           <a:stretch>
             <a:fillRect/>
           </a:stretch>
@@ -5490,6 +5490,92 @@
           </a:prstGeom>
         </p:spPr>
       </p:pic>
+      <p:sp>
+        <p:nvSpPr>
+          <p:cNvPr id="2" name="CaixaDeTexto 1"/>
+          <p:cNvSpPr txBox="1"/>
+          <p:nvPr/>
+        </p:nvSpPr>
+        <p:spPr>
+          <a:xfrm>
+            <a:off x="799772" y="3338138"/>
+            <a:ext cx="3125151" cy="646331"/>
+          </a:xfrm>
+          <a:prstGeom prst="rect">
+            <a:avLst/>
+          </a:prstGeom>
+          <a:noFill/>
+        </p:spPr>
+        <p:txBody>
+          <a:bodyPr wrap="square" rtlCol="0">
+            <a:spAutoFit/>
+          </a:bodyPr>
+          <a:lstStyle/>
+          <a:p>
+            <a:r>
+              <a:rPr lang="pt-BR" dirty="0" smtClean="0">
+                <a:solidFill>
+                  <a:srgbClr val="00B050"/>
+                </a:solidFill>
+              </a:rPr>
+              <a:t>Ganho de até 60%</a:t>
+            </a:r>
+          </a:p>
+          <a:p>
+            <a:r>
+              <a:rPr lang="pt-BR" dirty="0" smtClean="0">
+                <a:solidFill>
+                  <a:srgbClr val="FF0000"/>
+                </a:solidFill>
+              </a:rPr>
+              <a:t>Ganho de até 20% ou nenhum</a:t>
+            </a:r>
+            <a:endParaRPr lang="pt-BR" dirty="0">
+              <a:solidFill>
+                <a:srgbClr val="FF0000"/>
+              </a:solidFill>
+            </a:endParaRPr>
+          </a:p>
+        </p:txBody>
+      </p:sp>
+      <p:sp>
+        <p:nvSpPr>
+          <p:cNvPr id="61" name="CaixaDeTexto 60"/>
+          <p:cNvSpPr txBox="1"/>
+          <p:nvPr/>
+        </p:nvSpPr>
+        <p:spPr>
+          <a:xfrm>
+            <a:off x="690328" y="342973"/>
+            <a:ext cx="3125151" cy="369332"/>
+          </a:xfrm>
+          <a:prstGeom prst="rect">
+            <a:avLst/>
+          </a:prstGeom>
+          <a:noFill/>
+        </p:spPr>
+        <p:txBody>
+          <a:bodyPr wrap="square" rtlCol="0">
+            <a:spAutoFit/>
+          </a:bodyPr>
+          <a:lstStyle/>
+          <a:p>
+            <a:r>
+              <a:rPr lang="pt-BR" dirty="0" smtClean="0">
+                <a:solidFill>
+                  <a:srgbClr val="FF0000"/>
+                </a:solidFill>
+              </a:rPr>
+              <a:t>Nenhum ganho</a:t>
+            </a:r>
+            <a:endParaRPr lang="pt-BR" dirty="0">
+              <a:solidFill>
+                <a:srgbClr val="FF0000"/>
+              </a:solidFill>
+            </a:endParaRPr>
+          </a:p>
+        </p:txBody>
+      </p:sp>
     </p:spTree>
     <p:extLst>
       <p:ext uri="{BB962C8B-B14F-4D97-AF65-F5344CB8AC3E}">
